--- a/COMPSAC-COMA/ppt/tank-fra_modifity.pptx
+++ b/COMPSAC-COMA/ppt/tank-fra_modifity.pptx
@@ -1,6 +1,6 @@
 
 <file path=ppt/presentation.xml><?xml version="1.0" encoding="utf-8"?>
-<p:presentation xmlns:a="http://schemas.openxmlformats.org/drawingml/2006/main" xmlns:r="http://schemas.openxmlformats.org/officeDocument/2006/relationships" xmlns:p="http://schemas.openxmlformats.org/presentationml/2006/main">
+<p:presentation xmlns:a="http://schemas.openxmlformats.org/drawingml/2006/main" xmlns:r="http://schemas.openxmlformats.org/officeDocument/2006/relationships" xmlns:p="http://schemas.openxmlformats.org/presentationml/2006/main" saveSubsetFonts="1">
   <p:sldMasterIdLst>
     <p:sldMasterId id="2147483648" r:id="rId1"/>
   </p:sldMasterIdLst>
@@ -247,7 +247,7 @@
           <a:p>
             <a:fld id="{BD97E3D5-C100-416F-B8FA-E3615A52C359}" type="datetimeFigureOut">
               <a:rPr lang="zh-CN" altLang="en-US" smtClean="0"/>
-              <a:t>2017/7/5</a:t>
+              <a:t>2018/1/8</a:t>
             </a:fld>
             <a:endParaRPr lang="zh-CN" altLang="en-US"/>
           </a:p>
@@ -410,7 +410,7 @@
           <a:p>
             <a:fld id="{BD97E3D5-C100-416F-B8FA-E3615A52C359}" type="datetimeFigureOut">
               <a:rPr lang="zh-CN" altLang="en-US" smtClean="0"/>
-              <a:t>2017/7/5</a:t>
+              <a:t>2018/1/8</a:t>
             </a:fld>
             <a:endParaRPr lang="zh-CN" altLang="en-US"/>
           </a:p>
@@ -583,7 +583,7 @@
           <a:p>
             <a:fld id="{BD97E3D5-C100-416F-B8FA-E3615A52C359}" type="datetimeFigureOut">
               <a:rPr lang="zh-CN" altLang="en-US" smtClean="0"/>
-              <a:t>2017/7/5</a:t>
+              <a:t>2018/1/8</a:t>
             </a:fld>
             <a:endParaRPr lang="zh-CN" altLang="en-US"/>
           </a:p>
@@ -746,7 +746,7 @@
           <a:p>
             <a:fld id="{BD97E3D5-C100-416F-B8FA-E3615A52C359}" type="datetimeFigureOut">
               <a:rPr lang="zh-CN" altLang="en-US" smtClean="0"/>
-              <a:t>2017/7/5</a:t>
+              <a:t>2018/1/8</a:t>
             </a:fld>
             <a:endParaRPr lang="zh-CN" altLang="en-US"/>
           </a:p>
@@ -986,7 +986,7 @@
           <a:p>
             <a:fld id="{BD97E3D5-C100-416F-B8FA-E3615A52C359}" type="datetimeFigureOut">
               <a:rPr lang="zh-CN" altLang="en-US" smtClean="0"/>
-              <a:t>2017/7/5</a:t>
+              <a:t>2018/1/8</a:t>
             </a:fld>
             <a:endParaRPr lang="zh-CN" altLang="en-US"/>
           </a:p>
@@ -1210,7 +1210,7 @@
           <a:p>
             <a:fld id="{BD97E3D5-C100-416F-B8FA-E3615A52C359}" type="datetimeFigureOut">
               <a:rPr lang="zh-CN" altLang="en-US" smtClean="0"/>
-              <a:t>2017/7/5</a:t>
+              <a:t>2018/1/8</a:t>
             </a:fld>
             <a:endParaRPr lang="zh-CN" altLang="en-US"/>
           </a:p>
@@ -1569,7 +1569,7 @@
           <a:p>
             <a:fld id="{BD97E3D5-C100-416F-B8FA-E3615A52C359}" type="datetimeFigureOut">
               <a:rPr lang="zh-CN" altLang="en-US" smtClean="0"/>
-              <a:t>2017/7/5</a:t>
+              <a:t>2018/1/8</a:t>
             </a:fld>
             <a:endParaRPr lang="zh-CN" altLang="en-US"/>
           </a:p>
@@ -1681,7 +1681,7 @@
           <a:p>
             <a:fld id="{BD97E3D5-C100-416F-B8FA-E3615A52C359}" type="datetimeFigureOut">
               <a:rPr lang="zh-CN" altLang="en-US" smtClean="0"/>
-              <a:t>2017/7/5</a:t>
+              <a:t>2018/1/8</a:t>
             </a:fld>
             <a:endParaRPr lang="zh-CN" altLang="en-US"/>
           </a:p>
@@ -1771,7 +1771,7 @@
           <a:p>
             <a:fld id="{BD97E3D5-C100-416F-B8FA-E3615A52C359}" type="datetimeFigureOut">
               <a:rPr lang="zh-CN" altLang="en-US" smtClean="0"/>
-              <a:t>2017/7/5</a:t>
+              <a:t>2018/1/8</a:t>
             </a:fld>
             <a:endParaRPr lang="zh-CN" altLang="en-US"/>
           </a:p>
@@ -2041,7 +2041,7 @@
           <a:p>
             <a:fld id="{BD97E3D5-C100-416F-B8FA-E3615A52C359}" type="datetimeFigureOut">
               <a:rPr lang="zh-CN" altLang="en-US" smtClean="0"/>
-              <a:t>2017/7/5</a:t>
+              <a:t>2018/1/8</a:t>
             </a:fld>
             <a:endParaRPr lang="zh-CN" altLang="en-US"/>
           </a:p>
@@ -2288,7 +2288,7 @@
           <a:p>
             <a:fld id="{BD97E3D5-C100-416F-B8FA-E3615A52C359}" type="datetimeFigureOut">
               <a:rPr lang="zh-CN" altLang="en-US" smtClean="0"/>
-              <a:t>2017/7/5</a:t>
+              <a:t>2018/1/8</a:t>
             </a:fld>
             <a:endParaRPr lang="zh-CN" altLang="en-US"/>
           </a:p>
@@ -2494,7 +2494,7 @@
           <a:p>
             <a:fld id="{BD97E3D5-C100-416F-B8FA-E3615A52C359}" type="datetimeFigureOut">
               <a:rPr lang="zh-CN" altLang="en-US" smtClean="0"/>
-              <a:t>2017/7/5</a:t>
+              <a:t>2018/1/8</a:t>
             </a:fld>
             <a:endParaRPr lang="zh-CN" altLang="en-US"/>
           </a:p>
@@ -3430,8 +3430,8 @@
           <a:lstStyle/>
           <a:p>
             <a:r>
-              <a:rPr lang="en-US" altLang="zh-CN" b="1" dirty="0"/>
-              <a:t>Water tank1</a:t>
+              <a:rPr lang="en-US" altLang="zh-CN" b="1" dirty="0" smtClean="0"/>
+              <a:t>WaterTank1</a:t>
             </a:r>
             <a:endParaRPr lang="zh-CN" altLang="en-US" b="1" dirty="0"/>
           </a:p>
@@ -4212,8 +4212,8 @@
           <a:lstStyle/>
           <a:p>
             <a:r>
-              <a:rPr lang="en-US" altLang="zh-CN" b="1" dirty="0"/>
-              <a:t>Water tank1</a:t>
+              <a:rPr lang="en-US" altLang="zh-CN" b="1" dirty="0" smtClean="0"/>
+              <a:t>WaterTank1</a:t>
             </a:r>
             <a:endParaRPr lang="zh-CN" altLang="en-US" b="1" dirty="0"/>
           </a:p>
@@ -4849,8 +4849,8 @@
           <a:lstStyle/>
           <a:p>
             <a:r>
-              <a:rPr lang="en-US" altLang="zh-CN" b="1" dirty="0"/>
-              <a:t>Water tank1</a:t>
+              <a:rPr lang="en-US" altLang="zh-CN" b="1" dirty="0" smtClean="0"/>
+              <a:t>WaterTank1</a:t>
             </a:r>
             <a:endParaRPr lang="zh-CN" altLang="en-US" b="1" dirty="0"/>
           </a:p>
@@ -4894,7 +4894,7 @@
         </p:nvSpPr>
         <p:spPr>
           <a:xfrm rot="16200000">
-            <a:off x="4665838" y="3168615"/>
+            <a:off x="4665838" y="3144865"/>
             <a:ext cx="190787" cy="203200"/>
           </a:xfrm>
           <a:prstGeom prst="triangle">
@@ -5050,13 +5050,18 @@
           <a:lstStyle/>
           <a:p>
             <a:r>
-              <a:rPr lang="en-US" altLang="zh-CN" b="1" dirty="0">
+              <a:rPr lang="en-US" altLang="zh-CN" b="1" dirty="0" smtClean="0">
                 <a:solidFill>
                   <a:schemeClr val="tx1"/>
                 </a:solidFill>
               </a:rPr>
-              <a:t>Water tank2</a:t>
-            </a:r>
+              <a:t>WaterTank2</a:t>
+            </a:r>
+            <a:endParaRPr lang="en-US" altLang="zh-CN" b="1" dirty="0">
+              <a:solidFill>
+                <a:schemeClr val="tx1"/>
+              </a:solidFill>
+            </a:endParaRPr>
           </a:p>
         </p:txBody>
       </p:sp>
@@ -5170,7 +5175,7 @@
           <p:cNvPr id="24" name="直接箭头连接符 23">
             <a:extLst>
               <a:ext uri="{FF2B5EF4-FFF2-40B4-BE49-F238E27FC236}">
-                <a16:creationId xmlns:a16="http://schemas.microsoft.com/office/drawing/2014/main" id="{9F1EC173-BDC0-44DF-97F8-AFA4E4C20612}"/>
+                <a16:creationId xmlns:a16="http://schemas.microsoft.com/office/drawing/2014/main" xmlns="" id="{9F1EC173-BDC0-44DF-97F8-AFA4E4C20612}"/>
               </a:ext>
             </a:extLst>
           </p:cNvPr>
